--- a/especificacao-funcional/slides_suporte.pptx
+++ b/especificacao-funcional/slides_suporte.pptx
@@ -3455,7 +3455,7 @@
         <p:spPr>
           <a:xfrm>
             <a:off x="1628994" y="1002323"/>
-            <a:ext cx="0" cy="5736360"/>
+            <a:ext cx="0" cy="7167583"/>
           </a:xfrm>
           <a:prstGeom prst="line">
             <a:avLst/>
